--- a/presentation/WaveletBasedClusteringOfTimeSeries.pptx
+++ b/presentation/WaveletBasedClusteringOfTimeSeries.pptx
@@ -9,6 +9,11 @@
     <p:sldId id="257" r:id="rId3"/>
     <p:sldId id="258" r:id="rId4"/>
     <p:sldId id="259" r:id="rId5"/>
+    <p:sldId id="260" r:id="rId6"/>
+    <p:sldId id="261" r:id="rId7"/>
+    <p:sldId id="262" r:id="rId8"/>
+    <p:sldId id="263" r:id="rId9"/>
+    <p:sldId id="264" r:id="rId10"/>
   </p:sldIdLst>
   <p:sldSz cx="9144000" cy="6858000" type="screen4x3"/>
   <p:notesSz cx="6858000" cy="9144000"/>
@@ -3162,6 +3167,13 @@
   <p:clrMapOvr>
     <a:masterClrMapping/>
   </p:clrMapOvr>
+  <p:timing>
+    <p:tnLst>
+      <p:par>
+        <p:cTn xmlns:p14="http://schemas.microsoft.com/office/powerpoint/2010/main" id="1" dur="indefinite" restart="never" nodeType="tmRoot"/>
+      </p:par>
+    </p:tnLst>
+  </p:timing>
 </p:sld>
 </file>
 
@@ -3276,6 +3288,13 @@
   <p:clrMapOvr>
     <a:masterClrMapping/>
   </p:clrMapOvr>
+  <p:timing>
+    <p:tnLst>
+      <p:par>
+        <p:cTn xmlns:p14="http://schemas.microsoft.com/office/powerpoint/2010/main" id="1" dur="indefinite" restart="never" nodeType="tmRoot"/>
+      </p:par>
+    </p:tnLst>
+  </p:timing>
 </p:sld>
 </file>
 
@@ -3385,6 +3404,13 @@
   <p:clrMapOvr>
     <a:masterClrMapping/>
   </p:clrMapOvr>
+  <p:timing>
+    <p:tnLst>
+      <p:par>
+        <p:cTn xmlns:p14="http://schemas.microsoft.com/office/powerpoint/2010/main" id="1" dur="indefinite" restart="never" nodeType="tmRoot"/>
+      </p:par>
+    </p:tnLst>
+  </p:timing>
 </p:sld>
 </file>
 
@@ -3440,7 +3466,9 @@
         </p:nvSpPr>
         <p:spPr/>
         <p:txBody>
-          <a:bodyPr/>
+          <a:bodyPr>
+            <a:normAutofit lnSpcReduction="10000"/>
+          </a:bodyPr>
           <a:lstStyle/>
           <a:p>
             <a:r>
@@ -3476,8 +3504,15 @@
           </a:p>
           <a:p>
             <a:r>
-              <a:rPr lang="en-US" dirty="0" err="1" smtClean="0"/>
-              <a:t>Reconstuction</a:t>
+              <a:rPr lang="en-US" dirty="0" smtClean="0"/>
+              <a:t>Reconstruction</a:t>
+            </a:r>
+          </a:p>
+          <a:p>
+            <a:pPr lvl="1"/>
+            <a:r>
+              <a:rPr lang="en-US" dirty="0" smtClean="0"/>
+              <a:t>Exact original or approximate depending on number of coefficients used.</a:t>
             </a:r>
             <a:endParaRPr lang="en-US" dirty="0"/>
           </a:p>
@@ -3487,6 +3522,629 @@
     <p:extLst>
       <p:ext uri="{BB962C8B-B14F-4D97-AF65-F5344CB8AC3E}">
         <p14:creationId xmlns:p14="http://schemas.microsoft.com/office/powerpoint/2010/main" val="1666690740"/>
+      </p:ext>
+    </p:extLst>
+  </p:cSld>
+  <p:clrMapOvr>
+    <a:masterClrMapping/>
+  </p:clrMapOvr>
+  <p:timing>
+    <p:tnLst>
+      <p:par>
+        <p:cTn xmlns:p14="http://schemas.microsoft.com/office/powerpoint/2010/main" id="1" dur="indefinite" restart="never" nodeType="tmRoot"/>
+      </p:par>
+    </p:tnLst>
+  </p:timing>
+</p:sld>
+</file>
+
+<file path=ppt/slides/slide5.xml><?xml version="1.0" encoding="utf-8"?>
+<p:sld xmlns:a="http://schemas.openxmlformats.org/drawingml/2006/main" xmlns:r="http://schemas.openxmlformats.org/officeDocument/2006/relationships" xmlns:p="http://schemas.openxmlformats.org/presentationml/2006/main">
+  <p:cSld>
+    <p:spTree>
+      <p:nvGrpSpPr>
+        <p:cNvPr id="1" name=""/>
+        <p:cNvGrpSpPr/>
+        <p:nvPr/>
+      </p:nvGrpSpPr>
+      <p:grpSpPr>
+        <a:xfrm>
+          <a:off x="0" y="0"/>
+          <a:ext cx="0" cy="0"/>
+          <a:chOff x="0" y="0"/>
+          <a:chExt cx="0" cy="0"/>
+        </a:xfrm>
+      </p:grpSpPr>
+      <p:sp>
+        <p:nvSpPr>
+          <p:cNvPr id="6" name="Title 5"/>
+          <p:cNvSpPr>
+            <a:spLocks noGrp="1"/>
+          </p:cNvSpPr>
+          <p:nvPr>
+            <p:ph type="title"/>
+          </p:nvPr>
+        </p:nvSpPr>
+        <p:spPr/>
+        <p:txBody>
+          <a:bodyPr/>
+          <a:lstStyle/>
+          <a:p>
+            <a:r>
+              <a:rPr lang="en-US" dirty="0" smtClean="0"/>
+              <a:t>Reconstruction of time series</a:t>
+            </a:r>
+            <a:endParaRPr lang="en-US" dirty="0"/>
+          </a:p>
+        </p:txBody>
+      </p:sp>
+      <p:pic>
+        <p:nvPicPr>
+          <p:cNvPr id="10" name="Picture 9"/>
+          <p:cNvPicPr>
+            <a:picLocks noChangeAspect="1"/>
+          </p:cNvPicPr>
+          <p:nvPr/>
+        </p:nvPicPr>
+        <p:blipFill>
+          <a:blip r:embed="rId2"/>
+          <a:stretch>
+            <a:fillRect/>
+          </a:stretch>
+        </p:blipFill>
+        <p:spPr>
+          <a:xfrm>
+            <a:off x="1445308" y="1417638"/>
+            <a:ext cx="6449901" cy="4973866"/>
+          </a:xfrm>
+          <a:prstGeom prst="rect">
+            <a:avLst/>
+          </a:prstGeom>
+        </p:spPr>
+      </p:pic>
+    </p:spTree>
+    <p:extLst>
+      <p:ext uri="{BB962C8B-B14F-4D97-AF65-F5344CB8AC3E}">
+        <p14:creationId xmlns:p14="http://schemas.microsoft.com/office/powerpoint/2010/main" val="3030920881"/>
+      </p:ext>
+    </p:extLst>
+  </p:cSld>
+  <p:clrMapOvr>
+    <a:masterClrMapping/>
+  </p:clrMapOvr>
+  <p:timing>
+    <p:tnLst>
+      <p:par>
+        <p:cTn xmlns:p14="http://schemas.microsoft.com/office/powerpoint/2010/main" id="1" dur="indefinite" restart="never" nodeType="tmRoot"/>
+      </p:par>
+    </p:tnLst>
+  </p:timing>
+</p:sld>
+</file>
+
+<file path=ppt/slides/slide6.xml><?xml version="1.0" encoding="utf-8"?>
+<p:sld xmlns:a="http://schemas.openxmlformats.org/drawingml/2006/main" xmlns:r="http://schemas.openxmlformats.org/officeDocument/2006/relationships" xmlns:p="http://schemas.openxmlformats.org/presentationml/2006/main">
+  <p:cSld>
+    <p:spTree>
+      <p:nvGrpSpPr>
+        <p:cNvPr id="1" name=""/>
+        <p:cNvGrpSpPr/>
+        <p:nvPr/>
+      </p:nvGrpSpPr>
+      <p:grpSpPr>
+        <a:xfrm>
+          <a:off x="0" y="0"/>
+          <a:ext cx="0" cy="0"/>
+          <a:chOff x="0" y="0"/>
+          <a:chExt cx="0" cy="0"/>
+        </a:xfrm>
+      </p:grpSpPr>
+      <p:sp>
+        <p:nvSpPr>
+          <p:cNvPr id="2" name="Title 1"/>
+          <p:cNvSpPr>
+            <a:spLocks noGrp="1"/>
+          </p:cNvSpPr>
+          <p:nvPr>
+            <p:ph type="title"/>
+          </p:nvPr>
+        </p:nvSpPr>
+        <p:spPr/>
+        <p:txBody>
+          <a:bodyPr/>
+          <a:lstStyle/>
+          <a:p>
+            <a:r>
+              <a:rPr lang="en-US" dirty="0" smtClean="0"/>
+              <a:t>Wavelet-based feature extraction</a:t>
+            </a:r>
+            <a:endParaRPr lang="en-US" dirty="0"/>
+          </a:p>
+        </p:txBody>
+      </p:sp>
+      <p:sp>
+        <p:nvSpPr>
+          <p:cNvPr id="3" name="Content Placeholder 2"/>
+          <p:cNvSpPr>
+            <a:spLocks noGrp="1"/>
+          </p:cNvSpPr>
+          <p:nvPr>
+            <p:ph idx="1"/>
+          </p:nvPr>
+        </p:nvSpPr>
+        <p:spPr/>
+        <p:txBody>
+          <a:bodyPr>
+            <a:normAutofit fontScale="85000" lnSpcReduction="10000"/>
+          </a:bodyPr>
+          <a:lstStyle/>
+          <a:p>
+            <a:r>
+              <a:rPr lang="en-US" dirty="0" smtClean="0"/>
+              <a:t>Each time series has 1024 elements</a:t>
+            </a:r>
+          </a:p>
+          <a:p>
+            <a:r>
+              <a:rPr lang="en-US" dirty="0" smtClean="0"/>
+              <a:t>For a given level of decomposition </a:t>
+            </a:r>
+            <a:r>
+              <a:rPr lang="en-US" i="1" dirty="0" smtClean="0"/>
+              <a:t>r</a:t>
+            </a:r>
+            <a:r>
+              <a:rPr lang="en-US" dirty="0" smtClean="0"/>
+              <a:t>, a </a:t>
+            </a:r>
+            <a:r>
+              <a:rPr lang="en-US" dirty="0"/>
+              <a:t>d</a:t>
+            </a:r>
+            <a:r>
+              <a:rPr lang="en-US" dirty="0" smtClean="0"/>
+              <a:t>iscrete </a:t>
+            </a:r>
+            <a:r>
+              <a:rPr lang="en-US" dirty="0"/>
+              <a:t>w</a:t>
+            </a:r>
+            <a:r>
+              <a:rPr lang="en-US" dirty="0" smtClean="0"/>
+              <a:t>avelet transformation generates:</a:t>
+            </a:r>
+          </a:p>
+          <a:p>
+            <a:pPr lvl="1"/>
+            <a:r>
+              <a:rPr lang="en-US" dirty="0" smtClean="0"/>
+              <a:t>An A vector of approximation coefficients</a:t>
+            </a:r>
+          </a:p>
+          <a:p>
+            <a:pPr lvl="1"/>
+            <a:r>
+              <a:rPr lang="en-US" i="1" dirty="0" smtClean="0"/>
+              <a:t>r</a:t>
+            </a:r>
+            <a:r>
+              <a:rPr lang="en-US" dirty="0" smtClean="0"/>
+              <a:t> D vectors of detail coefficients</a:t>
+            </a:r>
+          </a:p>
+          <a:p>
+            <a:r>
+              <a:rPr lang="en-US" dirty="0" smtClean="0"/>
+              <a:t>Example: For </a:t>
+            </a:r>
+            <a:r>
+              <a:rPr lang="en-US" i="1" dirty="0" smtClean="0"/>
+              <a:t>r</a:t>
+            </a:r>
+            <a:r>
+              <a:rPr lang="en-US" dirty="0" smtClean="0"/>
+              <a:t>=2</a:t>
+            </a:r>
+          </a:p>
+          <a:p>
+            <a:pPr lvl="1"/>
+            <a:r>
+              <a:rPr lang="en-US" dirty="0" smtClean="0"/>
+              <a:t>An A vector of length 256</a:t>
+            </a:r>
+          </a:p>
+          <a:p>
+            <a:pPr lvl="1"/>
+            <a:r>
+              <a:rPr lang="en-US" dirty="0" smtClean="0"/>
+              <a:t>A first D</a:t>
+            </a:r>
+            <a:r>
+              <a:rPr lang="en-US" baseline="-25000" dirty="0" smtClean="0"/>
+              <a:t>2</a:t>
+            </a:r>
+            <a:r>
+              <a:rPr lang="en-US" dirty="0" smtClean="0"/>
+              <a:t> vector of length 256</a:t>
+            </a:r>
+          </a:p>
+          <a:p>
+            <a:pPr lvl="1"/>
+            <a:r>
+              <a:rPr lang="en-US" dirty="0" smtClean="0"/>
+              <a:t>A second D</a:t>
+            </a:r>
+            <a:r>
+              <a:rPr lang="en-US" baseline="-25000" dirty="0" smtClean="0"/>
+              <a:t>1</a:t>
+            </a:r>
+            <a:r>
+              <a:rPr lang="en-US" dirty="0" smtClean="0"/>
+              <a:t> vector of length 512</a:t>
+            </a:r>
+          </a:p>
+          <a:p>
+            <a:r>
+              <a:rPr lang="en-US" dirty="0"/>
+              <a:t>W</a:t>
+            </a:r>
+            <a:r>
+              <a:rPr lang="en-US" dirty="0" smtClean="0"/>
+              <a:t>e use [A,D</a:t>
+            </a:r>
+            <a:r>
+              <a:rPr lang="en-US" baseline="-25000" dirty="0" smtClean="0"/>
+              <a:t>2</a:t>
+            </a:r>
+            <a:r>
+              <a:rPr lang="en-US" dirty="0" smtClean="0"/>
+              <a:t>] as the feature vector for the time series</a:t>
+            </a:r>
+            <a:endParaRPr lang="en-US" dirty="0"/>
+          </a:p>
+        </p:txBody>
+      </p:sp>
+    </p:spTree>
+    <p:extLst>
+      <p:ext uri="{BB962C8B-B14F-4D97-AF65-F5344CB8AC3E}">
+        <p14:creationId xmlns:p14="http://schemas.microsoft.com/office/powerpoint/2010/main" val="1361760505"/>
+      </p:ext>
+    </p:extLst>
+  </p:cSld>
+  <p:clrMapOvr>
+    <a:masterClrMapping/>
+  </p:clrMapOvr>
+  <p:timing>
+    <p:tnLst>
+      <p:par>
+        <p:cTn xmlns:p14="http://schemas.microsoft.com/office/powerpoint/2010/main" id="1" dur="indefinite" restart="never" nodeType="tmRoot"/>
+      </p:par>
+    </p:tnLst>
+  </p:timing>
+</p:sld>
+</file>
+
+<file path=ppt/slides/slide7.xml><?xml version="1.0" encoding="utf-8"?>
+<p:sld xmlns:a="http://schemas.openxmlformats.org/drawingml/2006/main" xmlns:r="http://schemas.openxmlformats.org/officeDocument/2006/relationships" xmlns:p="http://schemas.openxmlformats.org/presentationml/2006/main">
+  <p:cSld>
+    <p:spTree>
+      <p:nvGrpSpPr>
+        <p:cNvPr id="1" name=""/>
+        <p:cNvGrpSpPr/>
+        <p:nvPr/>
+      </p:nvGrpSpPr>
+      <p:grpSpPr>
+        <a:xfrm>
+          <a:off x="0" y="0"/>
+          <a:ext cx="0" cy="0"/>
+          <a:chOff x="0" y="0"/>
+          <a:chExt cx="0" cy="0"/>
+        </a:xfrm>
+      </p:grpSpPr>
+      <p:sp>
+        <p:nvSpPr>
+          <p:cNvPr id="2" name="Title 1"/>
+          <p:cNvSpPr>
+            <a:spLocks noGrp="1"/>
+          </p:cNvSpPr>
+          <p:nvPr>
+            <p:ph type="title"/>
+          </p:nvPr>
+        </p:nvSpPr>
+        <p:spPr/>
+        <p:txBody>
+          <a:bodyPr/>
+          <a:lstStyle/>
+          <a:p>
+            <a:r>
+              <a:rPr lang="en-US" dirty="0" smtClean="0"/>
+              <a:t>Experimental evaluation</a:t>
+            </a:r>
+            <a:endParaRPr lang="en-US" dirty="0"/>
+          </a:p>
+        </p:txBody>
+      </p:sp>
+      <p:sp>
+        <p:nvSpPr>
+          <p:cNvPr id="3" name="Content Placeholder 2"/>
+          <p:cNvSpPr>
+            <a:spLocks noGrp="1"/>
+          </p:cNvSpPr>
+          <p:nvPr>
+            <p:ph idx="1"/>
+          </p:nvPr>
+        </p:nvSpPr>
+        <p:spPr/>
+        <p:txBody>
+          <a:bodyPr>
+            <a:normAutofit fontScale="70000" lnSpcReduction="20000"/>
+          </a:bodyPr>
+          <a:lstStyle/>
+          <a:p>
+            <a:r>
+              <a:rPr lang="en-US" dirty="0" smtClean="0"/>
+              <a:t>Data sets</a:t>
+            </a:r>
+          </a:p>
+          <a:p>
+            <a:pPr lvl="1"/>
+            <a:r>
+              <a:rPr lang="en-US" dirty="0" smtClean="0"/>
+              <a:t>Closing stock prices</a:t>
+            </a:r>
+          </a:p>
+          <a:p>
+            <a:pPr lvl="1"/>
+            <a:r>
+              <a:rPr lang="en-US" dirty="0" smtClean="0"/>
+              <a:t>Currency exchange rates</a:t>
+            </a:r>
+          </a:p>
+          <a:p>
+            <a:pPr lvl="1"/>
+            <a:r>
+              <a:rPr lang="en-US" dirty="0" smtClean="0"/>
+              <a:t>Earthquake data</a:t>
+            </a:r>
+          </a:p>
+          <a:p>
+            <a:r>
+              <a:rPr lang="en-US" dirty="0" smtClean="0"/>
+              <a:t>Algorithms</a:t>
+            </a:r>
+          </a:p>
+          <a:p>
+            <a:pPr lvl="1"/>
+            <a:r>
+              <a:rPr lang="en-US" dirty="0" smtClean="0"/>
+              <a:t>Mini-Batch K-Means</a:t>
+            </a:r>
+          </a:p>
+          <a:p>
+            <a:pPr lvl="1"/>
+            <a:r>
+              <a:rPr lang="en-US" dirty="0" smtClean="0"/>
+              <a:t>Affinity Propagation</a:t>
+            </a:r>
+          </a:p>
+          <a:p>
+            <a:pPr lvl="1"/>
+            <a:r>
+              <a:rPr lang="en-US" dirty="0" smtClean="0"/>
+              <a:t>Spectral Clustering</a:t>
+            </a:r>
+          </a:p>
+          <a:p>
+            <a:pPr lvl="1"/>
+            <a:r>
+              <a:rPr lang="en-US" dirty="0" smtClean="0"/>
+              <a:t>Ward</a:t>
+            </a:r>
+          </a:p>
+          <a:p>
+            <a:pPr lvl="1"/>
+            <a:r>
+              <a:rPr lang="en-US" dirty="0" smtClean="0"/>
+              <a:t>Agglomerative Clustering</a:t>
+            </a:r>
+          </a:p>
+          <a:p>
+            <a:pPr lvl="1"/>
+            <a:r>
+              <a:rPr lang="en-US" dirty="0" smtClean="0"/>
+              <a:t>Birch</a:t>
+            </a:r>
+          </a:p>
+          <a:p>
+            <a:pPr lvl="1"/>
+            <a:r>
+              <a:rPr lang="en-US" dirty="0" smtClean="0"/>
+              <a:t>DBSCAN</a:t>
+            </a:r>
+          </a:p>
+          <a:p>
+            <a:r>
+              <a:rPr lang="en-US" dirty="0" smtClean="0"/>
+              <a:t>Evaluation</a:t>
+            </a:r>
+          </a:p>
+          <a:p>
+            <a:pPr lvl="1"/>
+            <a:r>
+              <a:rPr lang="en-US" dirty="0" smtClean="0"/>
+              <a:t>Silhouette coefficient</a:t>
+            </a:r>
+            <a:endParaRPr lang="en-US" dirty="0"/>
+          </a:p>
+        </p:txBody>
+      </p:sp>
+    </p:spTree>
+    <p:extLst>
+      <p:ext uri="{BB962C8B-B14F-4D97-AF65-F5344CB8AC3E}">
+        <p14:creationId xmlns:p14="http://schemas.microsoft.com/office/powerpoint/2010/main" val="289880105"/>
+      </p:ext>
+    </p:extLst>
+  </p:cSld>
+  <p:clrMapOvr>
+    <a:masterClrMapping/>
+  </p:clrMapOvr>
+  <p:timing>
+    <p:tnLst>
+      <p:par>
+        <p:cTn xmlns:p14="http://schemas.microsoft.com/office/powerpoint/2010/main" id="1" dur="indefinite" restart="never" nodeType="tmRoot"/>
+      </p:par>
+    </p:tnLst>
+  </p:timing>
+</p:sld>
+</file>
+
+<file path=ppt/slides/slide8.xml><?xml version="1.0" encoding="utf-8"?>
+<p:sld xmlns:a="http://schemas.openxmlformats.org/drawingml/2006/main" xmlns:r="http://schemas.openxmlformats.org/officeDocument/2006/relationships" xmlns:p="http://schemas.openxmlformats.org/presentationml/2006/main">
+  <p:cSld>
+    <p:spTree>
+      <p:nvGrpSpPr>
+        <p:cNvPr id="1" name=""/>
+        <p:cNvGrpSpPr/>
+        <p:nvPr/>
+      </p:nvGrpSpPr>
+      <p:grpSpPr>
+        <a:xfrm>
+          <a:off x="0" y="0"/>
+          <a:ext cx="0" cy="0"/>
+          <a:chOff x="0" y="0"/>
+          <a:chExt cx="0" cy="0"/>
+        </a:xfrm>
+      </p:grpSpPr>
+      <p:sp>
+        <p:nvSpPr>
+          <p:cNvPr id="2" name="Title 1"/>
+          <p:cNvSpPr>
+            <a:spLocks noGrp="1"/>
+          </p:cNvSpPr>
+          <p:nvPr>
+            <p:ph type="title"/>
+          </p:nvPr>
+        </p:nvSpPr>
+        <p:spPr/>
+        <p:txBody>
+          <a:bodyPr/>
+          <a:lstStyle/>
+          <a:p>
+            <a:r>
+              <a:rPr lang="en-US" dirty="0" smtClean="0"/>
+              <a:t>Clustering of stock prices</a:t>
+            </a:r>
+            <a:endParaRPr lang="en-US" dirty="0"/>
+          </a:p>
+        </p:txBody>
+      </p:sp>
+      <p:pic>
+        <p:nvPicPr>
+          <p:cNvPr id="4" name="Picture 3"/>
+          <p:cNvPicPr>
+            <a:picLocks noChangeAspect="1"/>
+          </p:cNvPicPr>
+          <p:nvPr/>
+        </p:nvPicPr>
+        <p:blipFill>
+          <a:blip r:embed="rId2"/>
+          <a:stretch>
+            <a:fillRect/>
+          </a:stretch>
+        </p:blipFill>
+        <p:spPr>
+          <a:xfrm>
+            <a:off x="373542" y="1417638"/>
+            <a:ext cx="8434270" cy="5401489"/>
+          </a:xfrm>
+          <a:prstGeom prst="rect">
+            <a:avLst/>
+          </a:prstGeom>
+        </p:spPr>
+      </p:pic>
+    </p:spTree>
+    <p:extLst>
+      <p:ext uri="{BB962C8B-B14F-4D97-AF65-F5344CB8AC3E}">
+        <p14:creationId xmlns:p14="http://schemas.microsoft.com/office/powerpoint/2010/main" val="204395267"/>
+      </p:ext>
+    </p:extLst>
+  </p:cSld>
+  <p:clrMapOvr>
+    <a:masterClrMapping/>
+  </p:clrMapOvr>
+  <p:timing>
+    <p:tnLst>
+      <p:par>
+        <p:cTn xmlns:p14="http://schemas.microsoft.com/office/powerpoint/2010/main" id="1" dur="indefinite" restart="never" nodeType="tmRoot"/>
+      </p:par>
+    </p:tnLst>
+  </p:timing>
+</p:sld>
+</file>
+
+<file path=ppt/slides/slide9.xml><?xml version="1.0" encoding="utf-8"?>
+<p:sld xmlns:a="http://schemas.openxmlformats.org/drawingml/2006/main" xmlns:r="http://schemas.openxmlformats.org/officeDocument/2006/relationships" xmlns:p="http://schemas.openxmlformats.org/presentationml/2006/main">
+  <p:cSld>
+    <p:spTree>
+      <p:nvGrpSpPr>
+        <p:cNvPr id="1" name=""/>
+        <p:cNvGrpSpPr/>
+        <p:nvPr/>
+      </p:nvGrpSpPr>
+      <p:grpSpPr>
+        <a:xfrm>
+          <a:off x="0" y="0"/>
+          <a:ext cx="0" cy="0"/>
+          <a:chOff x="0" y="0"/>
+          <a:chExt cx="0" cy="0"/>
+        </a:xfrm>
+      </p:grpSpPr>
+      <p:sp>
+        <p:nvSpPr>
+          <p:cNvPr id="2" name="Title 1"/>
+          <p:cNvSpPr>
+            <a:spLocks noGrp="1"/>
+          </p:cNvSpPr>
+          <p:nvPr>
+            <p:ph type="title"/>
+          </p:nvPr>
+        </p:nvSpPr>
+        <p:spPr/>
+        <p:txBody>
+          <a:bodyPr/>
+          <a:lstStyle/>
+          <a:p>
+            <a:r>
+              <a:rPr lang="en-US" dirty="0" smtClean="0"/>
+              <a:t>Conclusions</a:t>
+            </a:r>
+            <a:endParaRPr lang="en-US" dirty="0"/>
+          </a:p>
+        </p:txBody>
+      </p:sp>
+      <p:sp>
+        <p:nvSpPr>
+          <p:cNvPr id="3" name="Content Placeholder 2"/>
+          <p:cNvSpPr>
+            <a:spLocks noGrp="1"/>
+          </p:cNvSpPr>
+          <p:nvPr>
+            <p:ph idx="1"/>
+          </p:nvPr>
+        </p:nvSpPr>
+        <p:spPr/>
+        <p:txBody>
+          <a:bodyPr/>
+          <a:lstStyle/>
+          <a:p>
+            <a:endParaRPr lang="en-US"/>
+          </a:p>
+        </p:txBody>
+      </p:sp>
+    </p:spTree>
+    <p:extLst>
+      <p:ext uri="{BB962C8B-B14F-4D97-AF65-F5344CB8AC3E}">
+        <p14:creationId xmlns:p14="http://schemas.microsoft.com/office/powerpoint/2010/main" val="3526256665"/>
       </p:ext>
     </p:extLst>
   </p:cSld>
